--- a/CPE602/CPE 602 Final project.pptx
+++ b/CPE602/CPE 602 Final project.pptx
@@ -4563,9 +4563,10 @@
           <a:p>
             <a:pPr rtl="0"/>
             <a:r>
-              <a:rPr lang="zh-cn" dirty="0"/>
-              <a:t>Sit Dolor Amet</a:t>
-            </a:r>
+              <a:rPr lang="en-US" altLang="zh-CN"/>
+              <a:t>Haoji Zang</a:t>
+            </a:r>
+            <a:endParaRPr lang="zh-cn" dirty="0"/>
           </a:p>
         </p:txBody>
       </p:sp>
